--- a/FarmaciasChile.pptx
+++ b/FarmaciasChile.pptx
@@ -14463,15 +14463,53 @@
             </a:r>
             <a:r>
               <a:rPr lang="es-ES" dirty="0"/>
-              <a:t>de farmacias que te permitirá ubicar aquellos locales </a:t>
+              <a:t>de farmacias le mostrara al usuario la ubicación del establecimiento </a:t>
             </a:r>
             <a:r>
               <a:rPr lang="es-ES" dirty="0" smtClean="0"/>
-              <a:t>farmacéuticos </a:t>
+              <a:t>farmacéutico </a:t>
             </a:r>
             <a:r>
               <a:rPr lang="es-ES" dirty="0"/>
-              <a:t>que estén mas cercanos a ti, además de poder buscar locales por direcciones especificas.</a:t>
+              <a:t>mas cercano, </a:t>
+            </a:r>
+            <a:r>
+              <a:rPr lang="es-ES" dirty="0" smtClean="0"/>
+              <a:t>además </a:t>
+            </a:r>
+            <a:r>
+              <a:rPr lang="es-ES" dirty="0"/>
+              <a:t>este </a:t>
+            </a:r>
+            <a:r>
+              <a:rPr lang="es-ES" dirty="0" smtClean="0"/>
+              <a:t>podrá </a:t>
+            </a:r>
+            <a:r>
+              <a:rPr lang="es-ES" dirty="0"/>
+              <a:t>filtrar el establecimiento </a:t>
+            </a:r>
+            <a:r>
+              <a:rPr lang="es-ES" dirty="0" smtClean="0"/>
+              <a:t>farmacéutico </a:t>
+            </a:r>
+            <a:r>
+              <a:rPr lang="es-ES" dirty="0"/>
+              <a:t>de su preferencia, para tener una vista personalizada</a:t>
+            </a:r>
+            <a:r>
+              <a:rPr lang="es-ES" dirty="0" smtClean="0"/>
+              <a:t>.</a:t>
+            </a:r>
+          </a:p>
+          <a:p>
+            <a:r>
+              <a:rPr lang="es-ES" dirty="0" smtClean="0"/>
+              <a:t>Adem</a:t>
+            </a:r>
+            <a:r>
+              <a:rPr lang="es-ES" dirty="0" smtClean="0"/>
+              <a:t>ás estos locales mostrarán información específica de estos, ya sean, ofertas de precios, ofertas laborales, y todo tipo de información relevante que se publique.</a:t>
             </a:r>
             <a:endParaRPr lang="es-ES" dirty="0"/>
           </a:p>
@@ -14552,7 +14590,7 @@
         </p:spPr>
         <p:txBody>
           <a:bodyPr>
-            <a:normAutofit fontScale="92500" lnSpcReduction="10000"/>
+            <a:normAutofit fontScale="92500" lnSpcReduction="20000"/>
           </a:bodyPr>
           <a:lstStyle/>
           <a:p>
@@ -14609,15 +14647,7 @@
             <a:pPr lvl="1"/>
             <a:r>
               <a:rPr lang="es-ES" dirty="0" smtClean="0"/>
-              <a:t>Población </a:t>
-            </a:r>
-            <a:r>
-              <a:rPr lang="es-ES" dirty="0"/>
-              <a:t>de </a:t>
-            </a:r>
-            <a:r>
-              <a:rPr lang="es-ES" dirty="0" smtClean="0"/>
-              <a:t>Valparaíso.</a:t>
+              <a:t>Todo Chile.</a:t>
             </a:r>
             <a:endParaRPr lang="es-ES" dirty="0"/>
           </a:p>
@@ -14647,23 +14677,7 @@
             </a:r>
             <a:r>
               <a:rPr lang="es-ES" dirty="0"/>
-              <a:t>, </a:t>
-            </a:r>
-            <a:r>
-              <a:rPr lang="es-ES" dirty="0" smtClean="0"/>
-              <a:t>ingresar</a:t>
-            </a:r>
-            <a:r>
-              <a:rPr lang="es-ES" dirty="0" smtClean="0"/>
-              <a:t>á</a:t>
-            </a:r>
-            <a:r>
-              <a:rPr lang="es-ES" dirty="0" smtClean="0"/>
-              <a:t> </a:t>
-            </a:r>
-            <a:r>
-              <a:rPr lang="es-ES" dirty="0"/>
-              <a:t>al sitio que </a:t>
+              <a:t>, ingresara al sitio que </a:t>
             </a:r>
             <a:r>
               <a:rPr lang="es-ES" dirty="0" smtClean="0"/>
@@ -14675,43 +14689,19 @@
             </a:r>
             <a:r>
               <a:rPr lang="es-ES" dirty="0" smtClean="0"/>
-              <a:t>aplicación. </a:t>
+              <a:t>aplicación </a:t>
             </a:r>
             <a:r>
               <a:rPr lang="es-ES" dirty="0"/>
-              <a:t>Esta </a:t>
+              <a:t>. Esta mostrara la ubicación de la farmacia mas cerca dirigida al usuario. El usuario </a:t>
             </a:r>
             <a:r>
               <a:rPr lang="es-ES" dirty="0" smtClean="0"/>
-              <a:t>mostrar</a:t>
-            </a:r>
-            <a:r>
-              <a:rPr lang="es-ES" dirty="0" smtClean="0"/>
-              <a:t>á</a:t>
-            </a:r>
-            <a:r>
-              <a:rPr lang="es-ES" dirty="0" smtClean="0"/>
-              <a:t> </a:t>
+              <a:t>podrá </a:t>
             </a:r>
             <a:r>
               <a:rPr lang="es-ES" dirty="0"/>
-              <a:t>la </a:t>
-            </a:r>
-            <a:r>
-              <a:rPr lang="es-ES" dirty="0" smtClean="0"/>
-              <a:t>información </a:t>
-            </a:r>
-            <a:r>
-              <a:rPr lang="es-ES" dirty="0"/>
-              <a:t>de la farmacia mas cerca dirigida al usuario. El usuario puede </a:t>
-            </a:r>
-            <a:r>
-              <a:rPr lang="es-ES" dirty="0" smtClean="0"/>
-              <a:t>personalizar </a:t>
-            </a:r>
-            <a:r>
-              <a:rPr lang="es-ES" dirty="0"/>
-              <a:t>la </a:t>
+              <a:t>personalizar la </a:t>
             </a:r>
             <a:r>
               <a:rPr lang="es-ES" dirty="0" smtClean="0"/>
@@ -14727,23 +14717,31 @@
             </a:r>
             <a:r>
               <a:rPr lang="es-ES" dirty="0"/>
-              <a:t>de forma que adopte sus mejores preferencias , ejemplo de ello usando el </a:t>
+              <a:t>de forma que adopte sus mejores preferencias , ejemplo de ello el usuario requiere una farmacia naturista (Farmacias KNOP), la </a:t>
             </a:r>
             <a:r>
               <a:rPr lang="es-ES" dirty="0" smtClean="0"/>
-              <a:t>lector </a:t>
+              <a:t>aplicación </a:t>
             </a:r>
             <a:r>
               <a:rPr lang="es-ES" dirty="0"/>
-              <a:t>de pantalla de su dispositivo </a:t>
+              <a:t>le entregara la </a:t>
             </a:r>
             <a:r>
               <a:rPr lang="es-ES" dirty="0" smtClean="0"/>
-              <a:t>móvil </a:t>
+              <a:t>ubicación </a:t>
             </a:r>
             <a:r>
               <a:rPr lang="es-ES" dirty="0"/>
-              <a:t>en paciente con discapacidad visual. La </a:t>
+              <a:t>de todas las farmacias de este tipo que </a:t>
+            </a:r>
+            <a:r>
+              <a:rPr lang="es-ES" dirty="0" smtClean="0"/>
+              <a:t>estén </a:t>
+            </a:r>
+            <a:r>
+              <a:rPr lang="es-ES" dirty="0"/>
+              <a:t>cercanas a el. La </a:t>
             </a:r>
             <a:r>
               <a:rPr lang="es-ES" dirty="0" smtClean="0"/>
@@ -15096,7 +15094,7 @@
       </p:grpSpPr>
       <p:pic>
         <p:nvPicPr>
-          <p:cNvPr id="6" name="Marcador de contenido 5" descr="New Mockup 1_2.png"/>
+          <p:cNvPr id="8" name="Marcador de contenido 7" descr="New Mockup 1_3.png"/>
           <p:cNvPicPr>
             <a:picLocks noGrp="1" noChangeAspect="1"/>
           </p:cNvPicPr>
@@ -15119,8 +15117,8 @@
         </p:blipFill>
         <p:spPr>
           <a:xfrm>
-            <a:off x="-2149321" y="108608"/>
-            <a:ext cx="13527138" cy="6498331"/>
+            <a:off x="-1868763" y="147683"/>
+            <a:ext cx="13281203" cy="6380186"/>
           </a:xfrm>
         </p:spPr>
       </p:pic>
